--- a/slides/soi_comparative_context-bm-v4.pptx
+++ b/slides/soi_comparative_context-bm-v4.pptx
@@ -229,7 +229,7 @@
           <a:p>
             <a:fld id="{7758E6C6-9B43-4EAF-9AF0-67F8A8A9D1A7}" type="datetimeFigureOut">
               <a:rPr lang="en-GB" smtClean="0"/>
-              <a:t>13/08/2019</a:t>
+              <a:t>18/08/2019</a:t>
             </a:fld>
             <a:endParaRPr lang="en-GB"/>
           </a:p>
@@ -553,7 +553,7 @@
               </a14:hiddenEffects>
             </a:ext>
             <a:ext uri="{FAA26D3D-D897-4be2-8F04-BA451C77F1D7}">
-              <ma14:placeholderFlag xmlns:ma14="http://schemas.microsoft.com/office/mac/drawingml/2011/main" xmlns="" val="1"/>
+              <ma14:placeholderFlag xmlns="" xmlns:ma14="http://schemas.microsoft.com/office/mac/drawingml/2011/main" val="1"/>
             </a:ext>
           </a:extLst>
         </p:spPr>
@@ -808,7 +808,7 @@
               </a14:hiddenEffects>
             </a:ext>
             <a:ext uri="{FAA26D3D-D897-4be2-8F04-BA451C77F1D7}">
-              <ma14:placeholderFlag xmlns:ma14="http://schemas.microsoft.com/office/mac/drawingml/2011/main" xmlns="" val="1"/>
+              <ma14:placeholderFlag xmlns="" xmlns:ma14="http://schemas.microsoft.com/office/mac/drawingml/2011/main" val="1"/>
             </a:ext>
           </a:extLst>
         </p:spPr>
@@ -1063,7 +1063,7 @@
               </a14:hiddenEffects>
             </a:ext>
             <a:ext uri="{FAA26D3D-D897-4be2-8F04-BA451C77F1D7}">
-              <ma14:placeholderFlag xmlns:ma14="http://schemas.microsoft.com/office/mac/drawingml/2011/main" xmlns="" val="1"/>
+              <ma14:placeholderFlag xmlns="" xmlns:ma14="http://schemas.microsoft.com/office/mac/drawingml/2011/main" val="1"/>
             </a:ext>
           </a:extLst>
         </p:spPr>
@@ -1318,7 +1318,7 @@
               </a14:hiddenEffects>
             </a:ext>
             <a:ext uri="{FAA26D3D-D897-4be2-8F04-BA451C77F1D7}">
-              <ma14:placeholderFlag xmlns:ma14="http://schemas.microsoft.com/office/mac/drawingml/2011/main" xmlns="" val="1"/>
+              <ma14:placeholderFlag xmlns="" xmlns:ma14="http://schemas.microsoft.com/office/mac/drawingml/2011/main" val="1"/>
             </a:ext>
           </a:extLst>
         </p:spPr>
@@ -1920,7 +1920,7 @@
           <a:p>
             <a:fld id="{C764DE79-268F-4C1A-8933-263129D2AF90}" type="datetimeFigureOut">
               <a:rPr lang="en-US" dirty="0"/>
-              <a:t>8/13/2019</a:t>
+              <a:t>8/18/2019</a:t>
             </a:fld>
             <a:endParaRPr lang="en-US" dirty="0"/>
           </a:p>
@@ -2122,7 +2122,7 @@
           <a:p>
             <a:fld id="{5BF1EC5F-FA10-4D96-BCBC-27249E497AB7}" type="datetimeFigureOut">
               <a:rPr lang="en-GB" smtClean="0"/>
-              <a:t>13/08/2019</a:t>
+              <a:t>18/08/2019</a:t>
             </a:fld>
             <a:endParaRPr lang="en-GB"/>
           </a:p>
@@ -2342,7 +2342,7 @@
           <a:p>
             <a:fld id="{5BF1EC5F-FA10-4D96-BCBC-27249E497AB7}" type="datetimeFigureOut">
               <a:rPr lang="en-GB" smtClean="0"/>
-              <a:t>13/08/2019</a:t>
+              <a:t>18/08/2019</a:t>
             </a:fld>
             <a:endParaRPr lang="en-GB"/>
           </a:p>
@@ -2649,7 +2649,7 @@
           <a:p>
             <a:fld id="{5BF1EC5F-FA10-4D96-BCBC-27249E497AB7}" type="datetimeFigureOut">
               <a:rPr lang="en-GB" smtClean="0"/>
-              <a:t>13/08/2019</a:t>
+              <a:t>18/08/2019</a:t>
             </a:fld>
             <a:endParaRPr lang="en-GB"/>
           </a:p>
@@ -2924,7 +2924,7 @@
           <a:p>
             <a:fld id="{5BF1EC5F-FA10-4D96-BCBC-27249E497AB7}" type="datetimeFigureOut">
               <a:rPr lang="en-GB" smtClean="0"/>
-              <a:t>13/08/2019</a:t>
+              <a:t>18/08/2019</a:t>
             </a:fld>
             <a:endParaRPr lang="en-GB"/>
           </a:p>
@@ -3299,7 +3299,7 @@
           <a:p>
             <a:fld id="{5BF1EC5F-FA10-4D96-BCBC-27249E497AB7}" type="datetimeFigureOut">
               <a:rPr lang="en-GB" smtClean="0"/>
-              <a:t>13/08/2019</a:t>
+              <a:t>18/08/2019</a:t>
             </a:fld>
             <a:endParaRPr lang="en-GB"/>
           </a:p>
@@ -3425,7 +3425,7 @@
           <a:p>
             <a:fld id="{5BF1EC5F-FA10-4D96-BCBC-27249E497AB7}" type="datetimeFigureOut">
               <a:rPr lang="en-GB" smtClean="0"/>
-              <a:t>13/08/2019</a:t>
+              <a:t>18/08/2019</a:t>
             </a:fld>
             <a:endParaRPr lang="en-GB"/>
           </a:p>
@@ -3535,7 +3535,7 @@
           <a:p>
             <a:fld id="{5BF1EC5F-FA10-4D96-BCBC-27249E497AB7}" type="datetimeFigureOut">
               <a:rPr lang="en-GB" smtClean="0"/>
-              <a:t>13/08/2019</a:t>
+              <a:t>18/08/2019</a:t>
             </a:fld>
             <a:endParaRPr lang="en-GB"/>
           </a:p>
@@ -3862,7 +3862,7 @@
           <a:p>
             <a:fld id="{5BF1EC5F-FA10-4D96-BCBC-27249E497AB7}" type="datetimeFigureOut">
               <a:rPr lang="en-GB" smtClean="0"/>
-              <a:t>13/08/2019</a:t>
+              <a:t>18/08/2019</a:t>
             </a:fld>
             <a:endParaRPr lang="en-GB"/>
           </a:p>
@@ -4134,7 +4134,7 @@
           <a:p>
             <a:fld id="{5BF1EC5F-FA10-4D96-BCBC-27249E497AB7}" type="datetimeFigureOut">
               <a:rPr lang="en-GB" smtClean="0"/>
-              <a:t>13/08/2019</a:t>
+              <a:t>18/08/2019</a:t>
             </a:fld>
             <a:endParaRPr lang="en-GB"/>
           </a:p>
@@ -4463,7 +4463,7 @@
           <a:p>
             <a:fld id="{5BF1EC5F-FA10-4D96-BCBC-27249E497AB7}" type="datetimeFigureOut">
               <a:rPr lang="en-GB" smtClean="0"/>
-              <a:t>13/08/2019</a:t>
+              <a:t>18/08/2019</a:t>
             </a:fld>
             <a:endParaRPr lang="en-GB"/>
           </a:p>
@@ -4651,7 +4651,7 @@
           <a:p>
             <a:fld id="{5BF1EC5F-FA10-4D96-BCBC-27249E497AB7}" type="datetimeFigureOut">
               <a:rPr lang="en-GB" smtClean="0"/>
-              <a:t>13/08/2019</a:t>
+              <a:t>18/08/2019</a:t>
             </a:fld>
             <a:endParaRPr lang="en-GB"/>
           </a:p>
@@ -4906,7 +4906,7 @@
           <a:p>
             <a:fld id="{C764DE79-268F-4C1A-8933-263129D2AF90}" type="datetimeFigureOut">
               <a:rPr lang="en-US" dirty="0"/>
-              <a:t>8/13/2019</a:t>
+              <a:t>8/18/2019</a:t>
             </a:fld>
             <a:endParaRPr lang="en-US" dirty="0"/>
           </a:p>
@@ -5170,7 +5170,7 @@
           <a:p>
             <a:fld id="{C764DE79-268F-4C1A-8933-263129D2AF90}" type="datetimeFigureOut">
               <a:rPr lang="en-US" dirty="0"/>
-              <a:t>8/13/2019</a:t>
+              <a:t>8/18/2019</a:t>
             </a:fld>
             <a:endParaRPr lang="en-US" dirty="0"/>
           </a:p>
@@ -5564,7 +5564,7 @@
           <a:p>
             <a:fld id="{C764DE79-268F-4C1A-8933-263129D2AF90}" type="datetimeFigureOut">
               <a:rPr lang="en-US" dirty="0"/>
-              <a:t>8/13/2019</a:t>
+              <a:t>8/18/2019</a:t>
             </a:fld>
             <a:endParaRPr lang="en-US" dirty="0"/>
           </a:p>
@@ -5714,7 +5714,7 @@
           <a:p>
             <a:fld id="{C764DE79-268F-4C1A-8933-263129D2AF90}" type="datetimeFigureOut">
               <a:rPr lang="en-US" dirty="0"/>
-              <a:t>8/13/2019</a:t>
+              <a:t>8/18/2019</a:t>
             </a:fld>
             <a:endParaRPr lang="en-US" dirty="0"/>
           </a:p>
@@ -6018,7 +6018,7 @@
           <a:p>
             <a:fld id="{C764DE79-268F-4C1A-8933-263129D2AF90}" type="datetimeFigureOut">
               <a:rPr lang="en-US" dirty="0"/>
-              <a:t>8/13/2019</a:t>
+              <a:t>8/18/2019</a:t>
             </a:fld>
             <a:endParaRPr lang="en-US" dirty="0"/>
           </a:p>
@@ -6302,7 +6302,7 @@
           <a:p>
             <a:fld id="{C764DE79-268F-4C1A-8933-263129D2AF90}" type="datetimeFigureOut">
               <a:rPr lang="en-US" dirty="0"/>
-              <a:t>8/13/2019</a:t>
+              <a:t>8/18/2019</a:t>
             </a:fld>
             <a:endParaRPr lang="en-US" dirty="0"/>
           </a:p>
@@ -6504,7 +6504,7 @@
           <a:p>
             <a:fld id="{C764DE79-268F-4C1A-8933-263129D2AF90}" type="datetimeFigureOut">
               <a:rPr lang="en-US" dirty="0"/>
-              <a:t>8/13/2019</a:t>
+              <a:t>8/18/2019</a:t>
             </a:fld>
             <a:endParaRPr lang="en-US" dirty="0"/>
           </a:p>
@@ -8138,42 +8138,33 @@
         </p:spPr>
         <p:txBody>
           <a:bodyPr>
-            <a:normAutofit lnSpcReduction="10000"/>
+            <a:normAutofit/>
           </a:bodyPr>
           <a:lstStyle/>
           <a:p>
             <a:r>
               <a:rPr lang="en-GB" dirty="0" smtClean="0"/>
-              <a:t>Limited to comparisons of criminal career parameters (for now)</a:t>
-            </a:r>
-          </a:p>
-          <a:p>
+              <a:t>Sustained </a:t>
+            </a:r>
             <a:r>
               <a:rPr lang="en-GB" dirty="0" smtClean="0"/>
-              <a:t>Sustained fall in crime and conviction in Scotland over last ~25 years, mostly because of lower youth conviction (Matthews and Minton 2018)</a:t>
+              <a:t>fall in crime and conviction in Scotland over last ~25 years, mostly because of lower youth conviction (Matthews and Minton 2018)</a:t>
             </a:r>
           </a:p>
           <a:p>
             <a:r>
               <a:rPr lang="en-GB" dirty="0" smtClean="0"/>
-              <a:t>In comparison: similar in Denmark (Andersen et al. 2016) and the Netherlands (van der Laan et al. 2016</a:t>
+              <a:t>Broadly similar trends in Sweden - fall in conviction over last ~25 years, mostly young </a:t>
             </a:r>
             <a:r>
               <a:rPr lang="en-GB" dirty="0"/>
-              <a:t>), but </a:t>
+              <a:t>men (Sivertsson </a:t>
             </a:r>
             <a:r>
               <a:rPr lang="en-GB" dirty="0" smtClean="0"/>
-              <a:t>not in Sweden </a:t>
-            </a:r>
-            <a:r>
-              <a:rPr lang="en-GB" dirty="0"/>
-              <a:t>(Sivertsson 2018</a:t>
-            </a:r>
-            <a:r>
-              <a:rPr lang="en-GB" dirty="0" smtClean="0"/>
-              <a:t>)?</a:t>
-            </a:r>
+              <a:t>2018, see also Andersen et al. 2016 for Denmark and van der Laan et al. 2016 for Netherlands) – but…</a:t>
+            </a:r>
+            <a:endParaRPr lang="en-GB" dirty="0" smtClean="0"/>
           </a:p>
           <a:p>
             <a:endParaRPr lang="en-GB" dirty="0"/>
@@ -8277,7 +8268,11 @@
           <a:p>
             <a:r>
               <a:rPr lang="en-GB" dirty="0" smtClean="0"/>
-              <a:t>Sivertsson used cohorts, we used cross-sections</a:t>
+              <a:t>One explanation: Sivertsson </a:t>
+            </a:r>
+            <a:r>
+              <a:rPr lang="en-GB" dirty="0" smtClean="0"/>
+              <a:t>used cohorts, we used cross-sections</a:t>
             </a:r>
           </a:p>
           <a:p>
@@ -9263,13 +9258,8 @@
             </a:r>
             <a:r>
               <a:rPr lang="en-GB" dirty="0" smtClean="0"/>
-              <a:t> et al. 2004</a:t>
-            </a:r>
-            <a:r>
-              <a:rPr lang="en-GB" dirty="0" smtClean="0"/>
-              <a:t>)?</a:t>
-            </a:r>
-            <a:endParaRPr lang="en-GB" dirty="0" smtClean="0"/>
+              <a:t> et al. 2004)?</a:t>
+            </a:r>
           </a:p>
           <a:p>
             <a:r>
@@ -9898,7 +9888,11 @@
           <a:p>
             <a:r>
               <a:rPr lang="en-GB" dirty="0" smtClean="0"/>
-              <a:t>All the usual problems comparing between jurisdictions (see </a:t>
+              <a:t>All the usual problems comparing between jurisdictions </a:t>
+            </a:r>
+            <a:r>
+              <a:rPr lang="en-GB" dirty="0" smtClean="0"/>
+              <a:t>(</a:t>
             </a:r>
             <a:r>
               <a:rPr lang="en-GB" dirty="0" err="1" smtClean="0"/>
@@ -9906,7 +9900,11 @@
             </a:r>
             <a:r>
               <a:rPr lang="en-GB" dirty="0" smtClean="0"/>
-              <a:t> 1991)</a:t>
+              <a:t> </a:t>
+            </a:r>
+            <a:r>
+              <a:rPr lang="en-GB" dirty="0" smtClean="0"/>
+              <a:t>1991)</a:t>
             </a:r>
           </a:p>
           <a:p>
@@ -10858,11 +10856,7 @@
           <a:p>
             <a:r>
               <a:rPr lang="en-GB" dirty="0" smtClean="0"/>
-              <a:t>Full records below the age of 16 (under 16s can be tried in adult courts, but most handled in separate youth justice system</a:t>
-            </a:r>
-            <a:r>
-              <a:rPr lang="en-GB" dirty="0" smtClean="0"/>
-              <a:t>)</a:t>
+              <a:t>Full records below the age of 16 (under 16s can be tried in adult courts, but most handled in separate youth justice system)</a:t>
             </a:r>
           </a:p>
           <a:p>
@@ -10870,7 +10864,6 @@
               <a:rPr lang="en-GB" dirty="0" smtClean="0"/>
               <a:t>Any crimes other than the most serious per proceeding</a:t>
             </a:r>
-            <a:endParaRPr lang="en-GB" dirty="0" smtClean="0"/>
           </a:p>
           <a:p>
             <a:r>
@@ -11008,6 +11001,13 @@
               <a:rPr lang="en-GB" dirty="0" smtClean="0"/>
               <a:t>?</a:t>
             </a:r>
+          </a:p>
+          <a:p>
+            <a:r>
+              <a:rPr lang="en-GB" dirty="0" smtClean="0"/>
+              <a:t>Data linkage to Census in negotiation (since 2014…)</a:t>
+            </a:r>
+            <a:endParaRPr lang="en-GB" dirty="0" smtClean="0"/>
           </a:p>
         </p:txBody>
       </p:sp>

--- a/slides/soi_comparative_context-bm-v4.pptx
+++ b/slides/soi_comparative_context-bm-v4.pptx
@@ -27,7 +27,7 @@
     <p:sldId id="388" r:id="rId18"/>
     <p:sldId id="391" r:id="rId19"/>
     <p:sldId id="398" r:id="rId20"/>
-    <p:sldId id="397" r:id="rId21"/>
+    <p:sldId id="403" r:id="rId21"/>
     <p:sldId id="308" r:id="rId22"/>
     <p:sldId id="396" r:id="rId23"/>
     <p:sldId id="401" r:id="rId24"/>
@@ -229,7 +229,7 @@
           <a:p>
             <a:fld id="{7758E6C6-9B43-4EAF-9AF0-67F8A8A9D1A7}" type="datetimeFigureOut">
               <a:rPr lang="en-GB" smtClean="0"/>
-              <a:t>18/08/2019</a:t>
+              <a:t>19/08/2019</a:t>
             </a:fld>
             <a:endParaRPr lang="en-GB"/>
           </a:p>
@@ -553,7 +553,7 @@
               </a14:hiddenEffects>
             </a:ext>
             <a:ext uri="{FAA26D3D-D897-4be2-8F04-BA451C77F1D7}">
-              <ma14:placeholderFlag xmlns="" xmlns:ma14="http://schemas.microsoft.com/office/mac/drawingml/2011/main" val="1"/>
+              <ma14:placeholderFlag xmlns:ma14="http://schemas.microsoft.com/office/mac/drawingml/2011/main" xmlns="" val="1"/>
             </a:ext>
           </a:extLst>
         </p:spPr>
@@ -808,7 +808,7 @@
               </a14:hiddenEffects>
             </a:ext>
             <a:ext uri="{FAA26D3D-D897-4be2-8F04-BA451C77F1D7}">
-              <ma14:placeholderFlag xmlns="" xmlns:ma14="http://schemas.microsoft.com/office/mac/drawingml/2011/main" val="1"/>
+              <ma14:placeholderFlag xmlns:ma14="http://schemas.microsoft.com/office/mac/drawingml/2011/main" xmlns="" val="1"/>
             </a:ext>
           </a:extLst>
         </p:spPr>
@@ -1063,7 +1063,7 @@
               </a14:hiddenEffects>
             </a:ext>
             <a:ext uri="{FAA26D3D-D897-4be2-8F04-BA451C77F1D7}">
-              <ma14:placeholderFlag xmlns="" xmlns:ma14="http://schemas.microsoft.com/office/mac/drawingml/2011/main" val="1"/>
+              <ma14:placeholderFlag xmlns:ma14="http://schemas.microsoft.com/office/mac/drawingml/2011/main" xmlns="" val="1"/>
             </a:ext>
           </a:extLst>
         </p:spPr>
@@ -1318,7 +1318,7 @@
               </a14:hiddenEffects>
             </a:ext>
             <a:ext uri="{FAA26D3D-D897-4be2-8F04-BA451C77F1D7}">
-              <ma14:placeholderFlag xmlns="" xmlns:ma14="http://schemas.microsoft.com/office/mac/drawingml/2011/main" val="1"/>
+              <ma14:placeholderFlag xmlns:ma14="http://schemas.microsoft.com/office/mac/drawingml/2011/main" xmlns="" val="1"/>
             </a:ext>
           </a:extLst>
         </p:spPr>
@@ -1920,7 +1920,7 @@
           <a:p>
             <a:fld id="{C764DE79-268F-4C1A-8933-263129D2AF90}" type="datetimeFigureOut">
               <a:rPr lang="en-US" dirty="0"/>
-              <a:t>8/18/2019</a:t>
+              <a:t>8/19/2019</a:t>
             </a:fld>
             <a:endParaRPr lang="en-US" dirty="0"/>
           </a:p>
@@ -2122,7 +2122,7 @@
           <a:p>
             <a:fld id="{5BF1EC5F-FA10-4D96-BCBC-27249E497AB7}" type="datetimeFigureOut">
               <a:rPr lang="en-GB" smtClean="0"/>
-              <a:t>18/08/2019</a:t>
+              <a:t>19/08/2019</a:t>
             </a:fld>
             <a:endParaRPr lang="en-GB"/>
           </a:p>
@@ -2342,7 +2342,7 @@
           <a:p>
             <a:fld id="{5BF1EC5F-FA10-4D96-BCBC-27249E497AB7}" type="datetimeFigureOut">
               <a:rPr lang="en-GB" smtClean="0"/>
-              <a:t>18/08/2019</a:t>
+              <a:t>19/08/2019</a:t>
             </a:fld>
             <a:endParaRPr lang="en-GB"/>
           </a:p>
@@ -2649,7 +2649,7 @@
           <a:p>
             <a:fld id="{5BF1EC5F-FA10-4D96-BCBC-27249E497AB7}" type="datetimeFigureOut">
               <a:rPr lang="en-GB" smtClean="0"/>
-              <a:t>18/08/2019</a:t>
+              <a:t>19/08/2019</a:t>
             </a:fld>
             <a:endParaRPr lang="en-GB"/>
           </a:p>
@@ -2924,7 +2924,7 @@
           <a:p>
             <a:fld id="{5BF1EC5F-FA10-4D96-BCBC-27249E497AB7}" type="datetimeFigureOut">
               <a:rPr lang="en-GB" smtClean="0"/>
-              <a:t>18/08/2019</a:t>
+              <a:t>19/08/2019</a:t>
             </a:fld>
             <a:endParaRPr lang="en-GB"/>
           </a:p>
@@ -3299,7 +3299,7 @@
           <a:p>
             <a:fld id="{5BF1EC5F-FA10-4D96-BCBC-27249E497AB7}" type="datetimeFigureOut">
               <a:rPr lang="en-GB" smtClean="0"/>
-              <a:t>18/08/2019</a:t>
+              <a:t>19/08/2019</a:t>
             </a:fld>
             <a:endParaRPr lang="en-GB"/>
           </a:p>
@@ -3425,7 +3425,7 @@
           <a:p>
             <a:fld id="{5BF1EC5F-FA10-4D96-BCBC-27249E497AB7}" type="datetimeFigureOut">
               <a:rPr lang="en-GB" smtClean="0"/>
-              <a:t>18/08/2019</a:t>
+              <a:t>19/08/2019</a:t>
             </a:fld>
             <a:endParaRPr lang="en-GB"/>
           </a:p>
@@ -3535,7 +3535,7 @@
           <a:p>
             <a:fld id="{5BF1EC5F-FA10-4D96-BCBC-27249E497AB7}" type="datetimeFigureOut">
               <a:rPr lang="en-GB" smtClean="0"/>
-              <a:t>18/08/2019</a:t>
+              <a:t>19/08/2019</a:t>
             </a:fld>
             <a:endParaRPr lang="en-GB"/>
           </a:p>
@@ -3862,7 +3862,7 @@
           <a:p>
             <a:fld id="{5BF1EC5F-FA10-4D96-BCBC-27249E497AB7}" type="datetimeFigureOut">
               <a:rPr lang="en-GB" smtClean="0"/>
-              <a:t>18/08/2019</a:t>
+              <a:t>19/08/2019</a:t>
             </a:fld>
             <a:endParaRPr lang="en-GB"/>
           </a:p>
@@ -4134,7 +4134,7 @@
           <a:p>
             <a:fld id="{5BF1EC5F-FA10-4D96-BCBC-27249E497AB7}" type="datetimeFigureOut">
               <a:rPr lang="en-GB" smtClean="0"/>
-              <a:t>18/08/2019</a:t>
+              <a:t>19/08/2019</a:t>
             </a:fld>
             <a:endParaRPr lang="en-GB"/>
           </a:p>
@@ -4463,7 +4463,7 @@
           <a:p>
             <a:fld id="{5BF1EC5F-FA10-4D96-BCBC-27249E497AB7}" type="datetimeFigureOut">
               <a:rPr lang="en-GB" smtClean="0"/>
-              <a:t>18/08/2019</a:t>
+              <a:t>19/08/2019</a:t>
             </a:fld>
             <a:endParaRPr lang="en-GB"/>
           </a:p>
@@ -4651,7 +4651,7 @@
           <a:p>
             <a:fld id="{5BF1EC5F-FA10-4D96-BCBC-27249E497AB7}" type="datetimeFigureOut">
               <a:rPr lang="en-GB" smtClean="0"/>
-              <a:t>18/08/2019</a:t>
+              <a:t>19/08/2019</a:t>
             </a:fld>
             <a:endParaRPr lang="en-GB"/>
           </a:p>
@@ -4906,7 +4906,7 @@
           <a:p>
             <a:fld id="{C764DE79-268F-4C1A-8933-263129D2AF90}" type="datetimeFigureOut">
               <a:rPr lang="en-US" dirty="0"/>
-              <a:t>8/18/2019</a:t>
+              <a:t>8/19/2019</a:t>
             </a:fld>
             <a:endParaRPr lang="en-US" dirty="0"/>
           </a:p>
@@ -5170,7 +5170,7 @@
           <a:p>
             <a:fld id="{C764DE79-268F-4C1A-8933-263129D2AF90}" type="datetimeFigureOut">
               <a:rPr lang="en-US" dirty="0"/>
-              <a:t>8/18/2019</a:t>
+              <a:t>8/19/2019</a:t>
             </a:fld>
             <a:endParaRPr lang="en-US" dirty="0"/>
           </a:p>
@@ -5564,7 +5564,7 @@
           <a:p>
             <a:fld id="{C764DE79-268F-4C1A-8933-263129D2AF90}" type="datetimeFigureOut">
               <a:rPr lang="en-US" dirty="0"/>
-              <a:t>8/18/2019</a:t>
+              <a:t>8/19/2019</a:t>
             </a:fld>
             <a:endParaRPr lang="en-US" dirty="0"/>
           </a:p>
@@ -5714,7 +5714,7 @@
           <a:p>
             <a:fld id="{C764DE79-268F-4C1A-8933-263129D2AF90}" type="datetimeFigureOut">
               <a:rPr lang="en-US" dirty="0"/>
-              <a:t>8/18/2019</a:t>
+              <a:t>8/19/2019</a:t>
             </a:fld>
             <a:endParaRPr lang="en-US" dirty="0"/>
           </a:p>
@@ -6018,7 +6018,7 @@
           <a:p>
             <a:fld id="{C764DE79-268F-4C1A-8933-263129D2AF90}" type="datetimeFigureOut">
               <a:rPr lang="en-US" dirty="0"/>
-              <a:t>8/18/2019</a:t>
+              <a:t>8/19/2019</a:t>
             </a:fld>
             <a:endParaRPr lang="en-US" dirty="0"/>
           </a:p>
@@ -6302,7 +6302,7 @@
           <a:p>
             <a:fld id="{C764DE79-268F-4C1A-8933-263129D2AF90}" type="datetimeFigureOut">
               <a:rPr lang="en-US" dirty="0"/>
-              <a:t>8/18/2019</a:t>
+              <a:t>8/19/2019</a:t>
             </a:fld>
             <a:endParaRPr lang="en-US" dirty="0"/>
           </a:p>
@@ -6504,7 +6504,7 @@
           <a:p>
             <a:fld id="{C764DE79-268F-4C1A-8933-263129D2AF90}" type="datetimeFigureOut">
               <a:rPr lang="en-US" dirty="0"/>
-              <a:t>8/18/2019</a:t>
+              <a:t>8/19/2019</a:t>
             </a:fld>
             <a:endParaRPr lang="en-US" dirty="0"/>
           </a:p>
@@ -8036,28 +8036,46 @@
         </p:nvSpPr>
         <p:spPr>
           <a:xfrm>
-            <a:off x="685800" y="2477338"/>
-            <a:ext cx="7772400" cy="2387600"/>
+            <a:off x="694427" y="1147313"/>
+            <a:ext cx="7772400" cy="3907766"/>
           </a:xfrm>
         </p:spPr>
         <p:txBody>
           <a:bodyPr>
-            <a:normAutofit fontScale="90000"/>
+            <a:normAutofit/>
           </a:bodyPr>
           <a:lstStyle/>
           <a:p>
             <a:r>
-              <a:rPr lang="en-GB" dirty="0" smtClean="0"/>
-              <a:t>SOI in comparative context:</a:t>
+              <a:rPr lang="en-GB" sz="5400" dirty="0" smtClean="0"/>
+              <a:t>SOI in comparative </a:t>
+            </a:r>
+            <a:r>
+              <a:rPr lang="en-GB" sz="5400" dirty="0" smtClean="0"/>
+              <a:t>context</a:t>
             </a:r>
             <a:br>
-              <a:rPr lang="en-GB" dirty="0" smtClean="0"/>
+              <a:rPr lang="en-GB" sz="5400" dirty="0" smtClean="0"/>
             </a:br>
             <a:r>
-              <a:rPr lang="en-GB" dirty="0" smtClean="0"/>
-              <a:t>Criminal careers and the crime drop</a:t>
-            </a:r>
-            <a:endParaRPr lang="en-GB" dirty="0"/>
+              <a:rPr lang="en-GB" sz="5400" dirty="0" smtClean="0"/>
+              <a:t/>
+            </a:r>
+            <a:br>
+              <a:rPr lang="en-GB" sz="5400" dirty="0" smtClean="0"/>
+            </a:br>
+            <a:r>
+              <a:rPr lang="en-GB" sz="5400" dirty="0" smtClean="0"/>
+              <a:t>Possible avenues #1: </a:t>
+            </a:r>
+            <a:br>
+              <a:rPr lang="en-GB" sz="5400" dirty="0" smtClean="0"/>
+            </a:br>
+            <a:r>
+              <a:rPr lang="en-GB" sz="5400" dirty="0" smtClean="0"/>
+              <a:t>Research design</a:t>
+            </a:r>
+            <a:endParaRPr lang="en-GB" sz="5400" dirty="0"/>
           </a:p>
         </p:txBody>
       </p:sp>
@@ -8144,11 +8162,7 @@
           <a:p>
             <a:r>
               <a:rPr lang="en-GB" dirty="0" smtClean="0"/>
-              <a:t>Sustained </a:t>
-            </a:r>
-            <a:r>
-              <a:rPr lang="en-GB" dirty="0" smtClean="0"/>
-              <a:t>fall in crime and conviction in Scotland over last ~25 years, mostly because of lower youth conviction (Matthews and Minton 2018)</a:t>
+              <a:t>Sustained fall in crime and conviction in Scotland over last ~25 years, mostly because of lower youth conviction (Matthews and Minton 2018)</a:t>
             </a:r>
           </a:p>
           <a:p>
@@ -8164,7 +8178,6 @@
               <a:rPr lang="en-GB" dirty="0" smtClean="0"/>
               <a:t>2018, see also Andersen et al. 2016 for Denmark and van der Laan et al. 2016 for Netherlands) – but…</a:t>
             </a:r>
-            <a:endParaRPr lang="en-GB" dirty="0" smtClean="0"/>
           </a:p>
           <a:p>
             <a:endParaRPr lang="en-GB" dirty="0"/>
@@ -8268,11 +8281,7 @@
           <a:p>
             <a:r>
               <a:rPr lang="en-GB" dirty="0" smtClean="0"/>
-              <a:t>One explanation: Sivertsson </a:t>
-            </a:r>
-            <a:r>
-              <a:rPr lang="en-GB" dirty="0" smtClean="0"/>
-              <a:t>used cohorts, we used cross-sections</a:t>
+              <a:t>One explanation: Sivertsson used cohorts, we used cross-sections</a:t>
             </a:r>
           </a:p>
           <a:p>
@@ -9041,35 +9050,53 @@
         </p:nvSpPr>
         <p:spPr>
           <a:xfrm>
-            <a:off x="685800" y="2477338"/>
-            <a:ext cx="7772400" cy="2387600"/>
+            <a:off x="694427" y="1147313"/>
+            <a:ext cx="7772400" cy="3907766"/>
           </a:xfrm>
         </p:spPr>
         <p:txBody>
           <a:bodyPr>
-            <a:normAutofit fontScale="90000"/>
+            <a:normAutofit/>
           </a:bodyPr>
           <a:lstStyle/>
           <a:p>
             <a:r>
-              <a:rPr lang="en-GB" dirty="0" smtClean="0"/>
-              <a:t>SOI in comparative context:</a:t>
+              <a:rPr lang="en-GB" sz="5400" dirty="0" smtClean="0"/>
+              <a:t>SOI in comparative </a:t>
+            </a:r>
+            <a:r>
+              <a:rPr lang="en-GB" sz="5400" dirty="0" smtClean="0"/>
+              <a:t>context</a:t>
             </a:r>
             <a:br>
-              <a:rPr lang="en-GB" dirty="0" smtClean="0"/>
+              <a:rPr lang="en-GB" sz="5400" dirty="0" smtClean="0"/>
             </a:br>
             <a:r>
-              <a:rPr lang="en-GB" dirty="0" smtClean="0"/>
-              <a:t>System effects or behaviour change?</a:t>
-            </a:r>
-            <a:endParaRPr lang="en-GB" dirty="0"/>
+              <a:rPr lang="en-GB" sz="5400" dirty="0" smtClean="0"/>
+              <a:t/>
+            </a:r>
+            <a:br>
+              <a:rPr lang="en-GB" sz="5400" dirty="0" smtClean="0"/>
+            </a:br>
+            <a:r>
+              <a:rPr lang="en-GB" sz="5400" dirty="0" smtClean="0"/>
+              <a:t>Possible avenues #2: </a:t>
+            </a:r>
+            <a:br>
+              <a:rPr lang="en-GB" sz="5400" dirty="0" smtClean="0"/>
+            </a:br>
+            <a:r>
+              <a:rPr lang="en-GB" sz="5400" dirty="0" smtClean="0"/>
+              <a:t>System or behaviour?</a:t>
+            </a:r>
+            <a:endParaRPr lang="en-GB" sz="5400" dirty="0"/>
           </a:p>
         </p:txBody>
       </p:sp>
     </p:spTree>
     <p:extLst>
       <p:ext uri="{BB962C8B-B14F-4D97-AF65-F5344CB8AC3E}">
-        <p14:creationId xmlns:p14="http://schemas.microsoft.com/office/powerpoint/2010/main" val="378275368"/>
+        <p14:creationId xmlns:p14="http://schemas.microsoft.com/office/powerpoint/2010/main" val="1626016760"/>
       </p:ext>
     </p:extLst>
   </p:cSld>
@@ -9443,7 +9470,14 @@
           <a:p>
             <a:r>
               <a:rPr lang="en-GB" dirty="0" smtClean="0"/>
-              <a:t>SOI in comparative context:</a:t>
+              <a:t>SOI in comparative context</a:t>
+            </a:r>
+            <a:br>
+              <a:rPr lang="en-GB" dirty="0" smtClean="0"/>
+            </a:br>
+            <a:r>
+              <a:rPr lang="en-GB" dirty="0" smtClean="0"/>
+              <a:t/>
             </a:r>
             <a:br>
               <a:rPr lang="en-GB" dirty="0" smtClean="0"/>
@@ -9888,11 +9922,7 @@
           <a:p>
             <a:r>
               <a:rPr lang="en-GB" dirty="0" smtClean="0"/>
-              <a:t>All the usual problems comparing between jurisdictions </a:t>
-            </a:r>
-            <a:r>
-              <a:rPr lang="en-GB" dirty="0" smtClean="0"/>
-              <a:t>(</a:t>
+              <a:t>All the usual problems comparing between jurisdictions (</a:t>
             </a:r>
             <a:r>
               <a:rPr lang="en-GB" dirty="0" err="1" smtClean="0"/>
@@ -9900,11 +9930,7 @@
             </a:r>
             <a:r>
               <a:rPr lang="en-GB" dirty="0" smtClean="0"/>
-              <a:t> </a:t>
-            </a:r>
-            <a:r>
-              <a:rPr lang="en-GB" dirty="0" smtClean="0"/>
-              <a:t>1991)</a:t>
+              <a:t> 1991)</a:t>
             </a:r>
           </a:p>
           <a:p>
@@ -11007,7 +11033,6 @@
               <a:rPr lang="en-GB" dirty="0" smtClean="0"/>
               <a:t>Data linkage to Census in negotiation (since 2014…)</a:t>
             </a:r>
-            <a:endParaRPr lang="en-GB" dirty="0" smtClean="0"/>
           </a:p>
         </p:txBody>
       </p:sp>
